--- a/training-cards/music moves/Training Cards (TRC)/ger/apprentice/ger_TRC_08_Rezension_MM_A.pptx
+++ b/training-cards/music moves/Training Cards (TRC)/ger/apprentice/ger_TRC_08_Rezension_MM_A.pptx
@@ -579,7 +579,7 @@
           <a:p>
             <a:fld id="{FF5B2BAF-DF38-0A48-A798-0C06E514FD52}" type="datetimeFigureOut">
               <a:rPr lang="de-DE" smtClean="0"/>
-              <a:t>04.08.24</a:t>
+              <a:t>25.10.25</a:t>
             </a:fld>
             <a:endParaRPr lang="de-DE" dirty="0"/>
           </a:p>
@@ -799,7 +799,7 @@
           <a:p>
             <a:fld id="{FF5B2BAF-DF38-0A48-A798-0C06E514FD52}" type="datetimeFigureOut">
               <a:rPr lang="de-DE" smtClean="0"/>
-              <a:t>04.08.24</a:t>
+              <a:t>25.10.25</a:t>
             </a:fld>
             <a:endParaRPr lang="de-DE" dirty="0"/>
           </a:p>
@@ -1482,7 +1482,7 @@
             <a:pPr algn="just"/>
             <a:r>
               <a:rPr lang="de-DE" sz="1200" dirty="0"/>
-              <a:t>Wenn Deine Karte geschrieben ist, hilft Dir das Feedback Deines Teams und vor allem Deiner Zertifizierer*innen enorm, um Deine Karte auf Verständlichkeit und Logik zu prüfen.</a:t>
+              <a:t>Wenn Deine Karte verfasst ist, hilft Dir das Feedback Deines Teams und vor allem Deiner Zertifizierer*innen enorm, um Deine Karte auf Verständlichkeit und Logik zu prüfen.</a:t>
             </a:r>
           </a:p>
           <a:p>
@@ -1496,7 +1496,7 @@
             <a:pPr algn="just"/>
             <a:r>
               <a:rPr lang="de-DE" sz="1200" dirty="0"/>
-              <a:t>Je mehr Feedback umso besser und umso mehr entspricht Dein Training, dem, was Dein Team unterstützen kann und will. Personen, die Dich zertifizieren, bekommen dadurch ebenfalls einen tieferen Einblick in Dein Training. </a:t>
+              <a:t>Je mehr Feedback umso besser. Personen, die Dich zertifizieren, bekommen dadurch ebenfalls einen tieferen Einblick in Dein Training. Es kann also ein Gewinn für beide Seiten sein.</a:t>
             </a:r>
           </a:p>
           <a:p>
@@ -1504,13 +1504,6 @@
             <a:r>
               <a:rPr lang="de-DE" sz="1200" dirty="0"/>
               <a:t>Es ist sinnvoll die Rezensionen Deiner Zertifizierer*innen vor dem Abschlussgespräch Deines Moves einzufordern. So sind alle auf dem aktuellsten Stand.</a:t>
-            </a:r>
-          </a:p>
-          <a:p>
-            <a:pPr algn="just"/>
-            <a:r>
-              <a:rPr lang="de-DE" sz="1200" dirty="0"/>
-              <a:t>Am Ende bleibst Du aber der Autor der Karte. Fühle Dich nicht verpflichtet allen Rezensionen 100% gerecht zu werden, sondern nimm sie als Perspektiven, die Deine Karte verbessern. Arbeite das ein, was Du als gute Idee empfindest und frage nach, wenn Du nicht verstehst, warum etwas auf Widerstand gestoßen ist.</a:t>
             </a:r>
           </a:p>
         </p:txBody>
@@ -1654,7 +1647,7 @@
           </a:ln>
           <a:extLst>
             <a:ext uri="{C572A759-6A51-4108-AA02-DFA0A04FC94B}">
-              <ma14:wrappingTextBoxFlag xmlns="" xmlns:ma14="http://schemas.microsoft.com/office/mac/drawingml/2011/main" val="1"/>
+              <ma14:wrappingTextBoxFlag xmlns:ma14="http://schemas.microsoft.com/office/mac/drawingml/2011/main" xmlns="" val="1"/>
             </a:ext>
           </a:extLst>
         </p:spPr>
